--- a/03_Implementierung/Präsentation.pptx
+++ b/03_Implementierung/Präsentation.pptx
@@ -19436,10 +19436,64 @@
           <a:p>
             <a:r>
               <a:rPr lang="de-DE" dirty="0" smtClean="0"/>
-              <a:t>GANNT Chart für die Client-Seite:</a:t>
-            </a:r>
-          </a:p>
-          <a:p>
+              <a:t>GANNT Chart für die Client-Seite</a:t>
+            </a:r>
+            <a:r>
+              <a:rPr lang="de-DE" dirty="0" smtClean="0"/>
+              <a:t>:</a:t>
+            </a:r>
+            <a:endParaRPr lang="ru-RU" dirty="0" smtClean="0"/>
+          </a:p>
+          <a:p>
+            <a:endParaRPr lang="ru-RU" dirty="0"/>
+          </a:p>
+          <a:p>
+            <a:endParaRPr lang="ru-RU" dirty="0" smtClean="0"/>
+          </a:p>
+          <a:p>
+            <a:endParaRPr lang="ru-RU" dirty="0"/>
+          </a:p>
+          <a:p>
+            <a:endParaRPr lang="ru-RU" dirty="0" smtClean="0"/>
+          </a:p>
+          <a:p>
+            <a:endParaRPr lang="ru-RU" dirty="0"/>
+          </a:p>
+          <a:p>
+            <a:endParaRPr lang="ru-RU" dirty="0" smtClean="0"/>
+          </a:p>
+          <a:p>
+            <a:endParaRPr lang="ru-RU" dirty="0"/>
+          </a:p>
+          <a:p>
+            <a:endParaRPr lang="ru-RU" dirty="0" smtClean="0"/>
+          </a:p>
+          <a:p>
+            <a:pPr lvl="1"/>
+            <a:r>
+              <a:rPr lang="de-DE" dirty="0" smtClean="0"/>
+              <a:t>Abhängigkeiten</a:t>
+            </a:r>
+            <a:r>
+              <a:rPr lang="ru-RU" dirty="0" smtClean="0"/>
+              <a:t> </a:t>
+            </a:r>
+            <a:r>
+              <a:rPr lang="de-DE" dirty="0" smtClean="0"/>
+              <a:t>sind </a:t>
+            </a:r>
+            <a:r>
+              <a:rPr lang="de-DE" dirty="0"/>
+              <a:t>als Pfeile </a:t>
+            </a:r>
+            <a:r>
+              <a:rPr lang="de-DE" dirty="0" smtClean="0"/>
+              <a:t>erkennbar</a:t>
+            </a:r>
+            <a:r>
+              <a:rPr lang="en-US" dirty="0" smtClean="0"/>
+              <a:t>.</a:t>
+            </a:r>
             <a:endParaRPr lang="ru-RU" dirty="0"/>
           </a:p>
         </p:txBody>
@@ -19542,6 +19596,37 @@
                                   </p:childTnLst>
                                 </p:cTn>
                               </p:par>
+                              <p:par>
+                                <p:cTn id="7" presetID="1" presetClass="entr" presetSubtype="0" fill="hold" nodeType="withEffect">
+                                  <p:stCondLst>
+                                    <p:cond delay="0"/>
+                                  </p:stCondLst>
+                                  <p:childTnLst>
+                                    <p:set>
+                                      <p:cBhvr>
+                                        <p:cTn id="8" dur="1" fill="hold">
+                                          <p:stCondLst>
+                                            <p:cond delay="0"/>
+                                          </p:stCondLst>
+                                        </p:cTn>
+                                        <p:tgtEl>
+                                          <p:spTgt spid="3">
+                                            <p:txEl>
+                                              <p:pRg st="9" end="9"/>
+                                            </p:txEl>
+                                          </p:spTgt>
+                                        </p:tgtEl>
+                                        <p:attrNameLst>
+                                          <p:attrName>style.visibility</p:attrName>
+                                        </p:attrNameLst>
+                                      </p:cBhvr>
+                                      <p:to>
+                                        <p:strVal val="visible"/>
+                                      </p:to>
+                                    </p:set>
+                                  </p:childTnLst>
+                                </p:cTn>
+                              </p:par>
                             </p:childTnLst>
                           </p:cTn>
                         </p:par>
@@ -19630,8 +19715,44 @@
           <a:p>
             <a:r>
               <a:rPr lang="de-DE" dirty="0" smtClean="0"/>
-              <a:t>GANNT Chart für die Server-Seite:</a:t>
-            </a:r>
+              <a:t>GANNT Chart für die Server-Seite</a:t>
+            </a:r>
+            <a:r>
+              <a:rPr lang="de-DE" dirty="0" smtClean="0"/>
+              <a:t>:</a:t>
+            </a:r>
+          </a:p>
+          <a:p>
+            <a:endParaRPr lang="de-DE" dirty="0"/>
+          </a:p>
+          <a:p>
+            <a:endParaRPr lang="de-DE" dirty="0" smtClean="0"/>
+          </a:p>
+          <a:p>
+            <a:endParaRPr lang="de-DE" dirty="0"/>
+          </a:p>
+          <a:p>
+            <a:endParaRPr lang="de-DE" dirty="0" smtClean="0"/>
+          </a:p>
+          <a:p>
+            <a:endParaRPr lang="de-DE" dirty="0"/>
+          </a:p>
+          <a:p>
+            <a:endParaRPr lang="de-DE" dirty="0" smtClean="0"/>
+          </a:p>
+          <a:p>
+            <a:endParaRPr lang="de-DE" dirty="0"/>
+          </a:p>
+          <a:p>
+            <a:endParaRPr lang="de-DE" dirty="0" smtClean="0"/>
+          </a:p>
+          <a:p>
+            <a:pPr lvl="1"/>
+            <a:r>
+              <a:rPr lang="de-DE" dirty="0" smtClean="0"/>
+              <a:t>Abhängigkeiten sind als Pfeile erkennbar.</a:t>
+            </a:r>
+            <a:endParaRPr lang="de-DE" dirty="0" smtClean="0"/>
           </a:p>
           <a:p>
             <a:endParaRPr lang="ru-RU" dirty="0"/>
@@ -19736,6 +19857,37 @@
                                   </p:childTnLst>
                                 </p:cTn>
                               </p:par>
+                              <p:par>
+                                <p:cTn id="7" presetID="1" presetClass="entr" presetSubtype="0" fill="hold" nodeType="withEffect">
+                                  <p:stCondLst>
+                                    <p:cond delay="0"/>
+                                  </p:stCondLst>
+                                  <p:childTnLst>
+                                    <p:set>
+                                      <p:cBhvr>
+                                        <p:cTn id="8" dur="1" fill="hold">
+                                          <p:stCondLst>
+                                            <p:cond delay="0"/>
+                                          </p:stCondLst>
+                                        </p:cTn>
+                                        <p:tgtEl>
+                                          <p:spTgt spid="3">
+                                            <p:txEl>
+                                              <p:pRg st="9" end="9"/>
+                                            </p:txEl>
+                                          </p:spTgt>
+                                        </p:tgtEl>
+                                        <p:attrNameLst>
+                                          <p:attrName>style.visibility</p:attrName>
+                                        </p:attrNameLst>
+                                      </p:cBhvr>
+                                      <p:to>
+                                        <p:strVal val="visible"/>
+                                      </p:to>
+                                    </p:set>
+                                  </p:childTnLst>
+                                </p:cTn>
+                              </p:par>
                             </p:childTnLst>
                           </p:cTn>
                         </p:par>
@@ -19864,7 +20016,53 @@
           <a:p>
             <a:r>
               <a:rPr lang="de-DE" dirty="0" smtClean="0"/>
-              <a:t>Zusätzliche Client-Entity Klassen</a:t>
+              <a:t>Zusätzliche Client-Entity </a:t>
+            </a:r>
+            <a:r>
+              <a:rPr lang="de-DE" dirty="0" smtClean="0"/>
+              <a:t>Klassen</a:t>
+            </a:r>
+          </a:p>
+          <a:p>
+            <a:r>
+              <a:rPr lang="de-DE" dirty="0"/>
+              <a:t>Hinzufügen von Service-Klassen in der Service-Layer des </a:t>
+            </a:r>
+            <a:r>
+              <a:rPr lang="de-DE" dirty="0" smtClean="0"/>
+              <a:t>Servers</a:t>
+            </a:r>
+          </a:p>
+          <a:p>
+            <a:r>
+              <a:rPr lang="de-DE" dirty="0"/>
+              <a:t>Zusätzliche Klasse </a:t>
+            </a:r>
+            <a:r>
+              <a:rPr lang="de-DE" i="1" dirty="0"/>
+              <a:t>Utility</a:t>
+            </a:r>
+            <a:r>
+              <a:rPr lang="de-DE" dirty="0"/>
+              <a:t> fürs </a:t>
+            </a:r>
+            <a:r>
+              <a:rPr lang="de-DE" dirty="0" smtClean="0"/>
+              <a:t>Clustering</a:t>
+            </a:r>
+          </a:p>
+          <a:p>
+            <a:r>
+              <a:rPr lang="de-DE" dirty="0" smtClean="0"/>
+              <a:t>Änderungen zu </a:t>
+            </a:r>
+            <a:r>
+              <a:rPr lang="en-GB" i="1" dirty="0" smtClean="0"/>
+              <a:t>Activity-</a:t>
+            </a:r>
+            <a:r>
+              <a:rPr lang="en-GB" dirty="0" smtClean="0"/>
+              <a:t>Klassen</a:t>
             </a:r>
             <a:endParaRPr lang="ru-RU" dirty="0"/>
           </a:p>
@@ -19883,7 +20081,324 @@
   <p:timing>
     <p:tnLst>
       <p:par>
-        <p:cTn id="1" dur="indefinite" restart="never" nodeType="tmRoot"/>
+        <p:cTn id="1" dur="indefinite" restart="never" nodeType="tmRoot">
+          <p:childTnLst>
+            <p:seq concurrent="1" nextAc="seek">
+              <p:cTn id="2" dur="indefinite" nodeType="mainSeq">
+                <p:childTnLst>
+                  <p:par>
+                    <p:cTn id="3" fill="hold">
+                      <p:stCondLst>
+                        <p:cond delay="indefinite"/>
+                      </p:stCondLst>
+                      <p:childTnLst>
+                        <p:par>
+                          <p:cTn id="4" fill="hold">
+                            <p:stCondLst>
+                              <p:cond delay="0"/>
+                            </p:stCondLst>
+                            <p:childTnLst>
+                              <p:par>
+                                <p:cTn id="5" presetID="1" presetClass="entr" presetSubtype="0" fill="hold" nodeType="clickEffect">
+                                  <p:stCondLst>
+                                    <p:cond delay="0"/>
+                                  </p:stCondLst>
+                                  <p:childTnLst>
+                                    <p:set>
+                                      <p:cBhvr>
+                                        <p:cTn id="6" dur="1" fill="hold">
+                                          <p:stCondLst>
+                                            <p:cond delay="0"/>
+                                          </p:stCondLst>
+                                        </p:cTn>
+                                        <p:tgtEl>
+                                          <p:spTgt spid="3">
+                                            <p:txEl>
+                                              <p:pRg st="0" end="0"/>
+                                            </p:txEl>
+                                          </p:spTgt>
+                                        </p:tgtEl>
+                                        <p:attrNameLst>
+                                          <p:attrName>style.visibility</p:attrName>
+                                        </p:attrNameLst>
+                                      </p:cBhvr>
+                                      <p:to>
+                                        <p:strVal val="visible"/>
+                                      </p:to>
+                                    </p:set>
+                                  </p:childTnLst>
+                                </p:cTn>
+                              </p:par>
+                            </p:childTnLst>
+                          </p:cTn>
+                        </p:par>
+                      </p:childTnLst>
+                    </p:cTn>
+                  </p:par>
+                  <p:par>
+                    <p:cTn id="7" fill="hold">
+                      <p:stCondLst>
+                        <p:cond delay="indefinite"/>
+                      </p:stCondLst>
+                      <p:childTnLst>
+                        <p:par>
+                          <p:cTn id="8" fill="hold">
+                            <p:stCondLst>
+                              <p:cond delay="0"/>
+                            </p:stCondLst>
+                            <p:childTnLst>
+                              <p:par>
+                                <p:cTn id="9" presetID="1" presetClass="entr" presetSubtype="0" fill="hold" nodeType="clickEffect">
+                                  <p:stCondLst>
+                                    <p:cond delay="0"/>
+                                  </p:stCondLst>
+                                  <p:childTnLst>
+                                    <p:set>
+                                      <p:cBhvr>
+                                        <p:cTn id="10" dur="1" fill="hold">
+                                          <p:stCondLst>
+                                            <p:cond delay="0"/>
+                                          </p:stCondLst>
+                                        </p:cTn>
+                                        <p:tgtEl>
+                                          <p:spTgt spid="3">
+                                            <p:txEl>
+                                              <p:pRg st="1" end="1"/>
+                                            </p:txEl>
+                                          </p:spTgt>
+                                        </p:tgtEl>
+                                        <p:attrNameLst>
+                                          <p:attrName>style.visibility</p:attrName>
+                                        </p:attrNameLst>
+                                      </p:cBhvr>
+                                      <p:to>
+                                        <p:strVal val="visible"/>
+                                      </p:to>
+                                    </p:set>
+                                  </p:childTnLst>
+                                </p:cTn>
+                              </p:par>
+                            </p:childTnLst>
+                          </p:cTn>
+                        </p:par>
+                      </p:childTnLst>
+                    </p:cTn>
+                  </p:par>
+                  <p:par>
+                    <p:cTn id="11" fill="hold">
+                      <p:stCondLst>
+                        <p:cond delay="indefinite"/>
+                      </p:stCondLst>
+                      <p:childTnLst>
+                        <p:par>
+                          <p:cTn id="12" fill="hold">
+                            <p:stCondLst>
+                              <p:cond delay="0"/>
+                            </p:stCondLst>
+                            <p:childTnLst>
+                              <p:par>
+                                <p:cTn id="13" presetID="1" presetClass="entr" presetSubtype="0" fill="hold" nodeType="clickEffect">
+                                  <p:stCondLst>
+                                    <p:cond delay="0"/>
+                                  </p:stCondLst>
+                                  <p:childTnLst>
+                                    <p:set>
+                                      <p:cBhvr>
+                                        <p:cTn id="14" dur="1" fill="hold">
+                                          <p:stCondLst>
+                                            <p:cond delay="0"/>
+                                          </p:stCondLst>
+                                        </p:cTn>
+                                        <p:tgtEl>
+                                          <p:spTgt spid="3">
+                                            <p:txEl>
+                                              <p:pRg st="2" end="2"/>
+                                            </p:txEl>
+                                          </p:spTgt>
+                                        </p:tgtEl>
+                                        <p:attrNameLst>
+                                          <p:attrName>style.visibility</p:attrName>
+                                        </p:attrNameLst>
+                                      </p:cBhvr>
+                                      <p:to>
+                                        <p:strVal val="visible"/>
+                                      </p:to>
+                                    </p:set>
+                                  </p:childTnLst>
+                                </p:cTn>
+                              </p:par>
+                            </p:childTnLst>
+                          </p:cTn>
+                        </p:par>
+                      </p:childTnLst>
+                    </p:cTn>
+                  </p:par>
+                  <p:par>
+                    <p:cTn id="15" fill="hold">
+                      <p:stCondLst>
+                        <p:cond delay="indefinite"/>
+                      </p:stCondLst>
+                      <p:childTnLst>
+                        <p:par>
+                          <p:cTn id="16" fill="hold">
+                            <p:stCondLst>
+                              <p:cond delay="0"/>
+                            </p:stCondLst>
+                            <p:childTnLst>
+                              <p:par>
+                                <p:cTn id="17" presetID="1" presetClass="entr" presetSubtype="0" fill="hold" nodeType="clickEffect">
+                                  <p:stCondLst>
+                                    <p:cond delay="0"/>
+                                  </p:stCondLst>
+                                  <p:childTnLst>
+                                    <p:set>
+                                      <p:cBhvr>
+                                        <p:cTn id="18" dur="1" fill="hold">
+                                          <p:stCondLst>
+                                            <p:cond delay="0"/>
+                                          </p:stCondLst>
+                                        </p:cTn>
+                                        <p:tgtEl>
+                                          <p:spTgt spid="3">
+                                            <p:txEl>
+                                              <p:pRg st="3" end="3"/>
+                                            </p:txEl>
+                                          </p:spTgt>
+                                        </p:tgtEl>
+                                        <p:attrNameLst>
+                                          <p:attrName>style.visibility</p:attrName>
+                                        </p:attrNameLst>
+                                      </p:cBhvr>
+                                      <p:to>
+                                        <p:strVal val="visible"/>
+                                      </p:to>
+                                    </p:set>
+                                  </p:childTnLst>
+                                </p:cTn>
+                              </p:par>
+                            </p:childTnLst>
+                          </p:cTn>
+                        </p:par>
+                      </p:childTnLst>
+                    </p:cTn>
+                  </p:par>
+                  <p:par>
+                    <p:cTn id="19" fill="hold">
+                      <p:stCondLst>
+                        <p:cond delay="indefinite"/>
+                      </p:stCondLst>
+                      <p:childTnLst>
+                        <p:par>
+                          <p:cTn id="20" fill="hold">
+                            <p:stCondLst>
+                              <p:cond delay="0"/>
+                            </p:stCondLst>
+                            <p:childTnLst>
+                              <p:par>
+                                <p:cTn id="21" presetID="1" presetClass="entr" presetSubtype="0" fill="hold" nodeType="clickEffect">
+                                  <p:stCondLst>
+                                    <p:cond delay="0"/>
+                                  </p:stCondLst>
+                                  <p:childTnLst>
+                                    <p:set>
+                                      <p:cBhvr>
+                                        <p:cTn id="22" dur="1" fill="hold">
+                                          <p:stCondLst>
+                                            <p:cond delay="0"/>
+                                          </p:stCondLst>
+                                        </p:cTn>
+                                        <p:tgtEl>
+                                          <p:spTgt spid="3">
+                                            <p:txEl>
+                                              <p:pRg st="4" end="4"/>
+                                            </p:txEl>
+                                          </p:spTgt>
+                                        </p:tgtEl>
+                                        <p:attrNameLst>
+                                          <p:attrName>style.visibility</p:attrName>
+                                        </p:attrNameLst>
+                                      </p:cBhvr>
+                                      <p:to>
+                                        <p:strVal val="visible"/>
+                                      </p:to>
+                                    </p:set>
+                                  </p:childTnLst>
+                                </p:cTn>
+                              </p:par>
+                            </p:childTnLst>
+                          </p:cTn>
+                        </p:par>
+                      </p:childTnLst>
+                    </p:cTn>
+                  </p:par>
+                  <p:par>
+                    <p:cTn id="23" fill="hold">
+                      <p:stCondLst>
+                        <p:cond delay="indefinite"/>
+                      </p:stCondLst>
+                      <p:childTnLst>
+                        <p:par>
+                          <p:cTn id="24" fill="hold">
+                            <p:stCondLst>
+                              <p:cond delay="0"/>
+                            </p:stCondLst>
+                            <p:childTnLst>
+                              <p:par>
+                                <p:cTn id="25" presetID="1" presetClass="entr" presetSubtype="0" fill="hold" nodeType="clickEffect">
+                                  <p:stCondLst>
+                                    <p:cond delay="0"/>
+                                  </p:stCondLst>
+                                  <p:childTnLst>
+                                    <p:set>
+                                      <p:cBhvr>
+                                        <p:cTn id="26" dur="1" fill="hold">
+                                          <p:stCondLst>
+                                            <p:cond delay="0"/>
+                                          </p:stCondLst>
+                                        </p:cTn>
+                                        <p:tgtEl>
+                                          <p:spTgt spid="3">
+                                            <p:txEl>
+                                              <p:pRg st="5" end="5"/>
+                                            </p:txEl>
+                                          </p:spTgt>
+                                        </p:tgtEl>
+                                        <p:attrNameLst>
+                                          <p:attrName>style.visibility</p:attrName>
+                                        </p:attrNameLst>
+                                      </p:cBhvr>
+                                      <p:to>
+                                        <p:strVal val="visible"/>
+                                      </p:to>
+                                    </p:set>
+                                  </p:childTnLst>
+                                </p:cTn>
+                              </p:par>
+                            </p:childTnLst>
+                          </p:cTn>
+                        </p:par>
+                      </p:childTnLst>
+                    </p:cTn>
+                  </p:par>
+                </p:childTnLst>
+              </p:cTn>
+              <p:prevCondLst>
+                <p:cond evt="onPrev" delay="0">
+                  <p:tgtEl>
+                    <p:sldTgt/>
+                  </p:tgtEl>
+                </p:cond>
+              </p:prevCondLst>
+              <p:nextCondLst>
+                <p:cond evt="onNext" delay="0">
+                  <p:tgtEl>
+                    <p:sldTgt/>
+                  </p:tgtEl>
+                </p:cond>
+              </p:nextCondLst>
+            </p:seq>
+          </p:childTnLst>
+        </p:cTn>
       </p:par>
     </p:tnLst>
   </p:timing>

--- a/03_Implementierung/Präsentation.pptx
+++ b/03_Implementierung/Präsentation.pptx
@@ -18912,7 +18912,7 @@
           <a:bodyPr/>
           <a:lstStyle/>
           <a:p>
-            <a:endParaRPr lang="ru-RU"/>
+            <a:endParaRPr lang="ru-RU" dirty="0"/>
           </a:p>
         </p:txBody>
       </p:sp>
@@ -19436,11 +19436,7 @@
           <a:p>
             <a:r>
               <a:rPr lang="de-DE" dirty="0" smtClean="0"/>
-              <a:t>GANNT Chart für die Client-Seite</a:t>
-            </a:r>
-            <a:r>
-              <a:rPr lang="de-DE" dirty="0" smtClean="0"/>
-              <a:t>:</a:t>
+              <a:t>GANNT Chart für die Client-Seite:</a:t>
             </a:r>
             <a:endParaRPr lang="ru-RU" dirty="0" smtClean="0"/>
           </a:p>
@@ -19715,11 +19711,7 @@
           <a:p>
             <a:r>
               <a:rPr lang="de-DE" dirty="0" smtClean="0"/>
-              <a:t>GANNT Chart für die Server-Seite</a:t>
-            </a:r>
-            <a:r>
-              <a:rPr lang="de-DE" dirty="0" smtClean="0"/>
-              <a:t>:</a:t>
+              <a:t>GANNT Chart für die Server-Seite:</a:t>
             </a:r>
           </a:p>
           <a:p>
@@ -19752,7 +19744,6 @@
               <a:rPr lang="de-DE" dirty="0" smtClean="0"/>
               <a:t>Abhängigkeiten sind als Pfeile erkennbar.</a:t>
             </a:r>
-            <a:endParaRPr lang="de-DE" dirty="0" smtClean="0"/>
           </a:p>
           <a:p>
             <a:endParaRPr lang="ru-RU" dirty="0"/>
@@ -19976,7 +19967,15 @@
           <a:p>
             <a:r>
               <a:rPr lang="de-DE" dirty="0" smtClean="0"/>
-              <a:t>Die drei Methoden der Repository-Oberklasse wurden nicht benötigt und daher sind nicht implementiert (da es als </a:t>
+              <a:t>Die drei Methoden der </a:t>
+            </a:r>
+            <a:r>
+              <a:rPr lang="de-DE" i="1" dirty="0" smtClean="0"/>
+              <a:t>Repository</a:t>
+            </a:r>
+            <a:r>
+              <a:rPr lang="de-DE" dirty="0" smtClean="0"/>
+              <a:t>-Oberklasse wurden nicht benötigt und daher sind nicht implementiert (da es als </a:t>
             </a:r>
             <a:r>
               <a:rPr lang="de-DE" i="1" dirty="0" err="1" smtClean="0"/>
@@ -19984,8 +19983,13 @@
             </a:r>
             <a:r>
               <a:rPr lang="de-DE" dirty="0" smtClean="0"/>
-              <a:t> gesehen wurde)</a:t>
-            </a:r>
+              <a:t> gesehen </a:t>
+            </a:r>
+            <a:r>
+              <a:rPr lang="de-DE" dirty="0" smtClean="0"/>
+              <a:t>wurde)</a:t>
+            </a:r>
+            <a:endParaRPr lang="ru-RU" dirty="0" smtClean="0"/>
           </a:p>
           <a:p>
             <a:r>
@@ -20010,8 +20014,27 @@
             </a:r>
             <a:r>
               <a:rPr lang="de-DE" dirty="0" smtClean="0"/>
-              <a:t>sind als Singletons implementiert</a:t>
-            </a:r>
+              <a:t>sind als Singletons </a:t>
+            </a:r>
+            <a:r>
+              <a:rPr lang="de-DE" dirty="0"/>
+              <a:t>implementiert</a:t>
+            </a:r>
+          </a:p>
+          <a:p>
+            <a:r>
+              <a:rPr lang="de-DE" dirty="0"/>
+              <a:t>Änderungen zu </a:t>
+            </a:r>
+            <a:r>
+              <a:rPr lang="en-GB" i="1" dirty="0" smtClean="0"/>
+              <a:t>Activity-</a:t>
+            </a:r>
+            <a:r>
+              <a:rPr lang="en-GB" dirty="0" smtClean="0"/>
+              <a:t>Klassen</a:t>
+            </a:r>
+            <a:endParaRPr lang="de-DE" dirty="0" smtClean="0"/>
           </a:p>
           <a:p>
             <a:r>
@@ -20020,8 +20043,9 @@
             </a:r>
             <a:r>
               <a:rPr lang="de-DE" dirty="0" smtClean="0"/>
-              <a:t>Klassen</a:t>
-            </a:r>
+              <a:t>Klassen auf dem Server</a:t>
+            </a:r>
+            <a:endParaRPr lang="de-DE" dirty="0" smtClean="0"/>
           </a:p>
           <a:p>
             <a:r>
@@ -20036,33 +20060,59 @@
           <a:p>
             <a:r>
               <a:rPr lang="de-DE" dirty="0"/>
-              <a:t>Zusätzliche Klasse </a:t>
-            </a:r>
-            <a:r>
-              <a:rPr lang="de-DE" i="1" dirty="0"/>
+              <a:t>Zusätzliche </a:t>
+            </a:r>
+            <a:r>
+              <a:rPr lang="de-DE" dirty="0" smtClean="0"/>
+              <a:t>Klasse</a:t>
+            </a:r>
+            <a:r>
+              <a:rPr lang="ru-RU" dirty="0" smtClean="0"/>
+              <a:t> </a:t>
+            </a:r>
+            <a:r>
+              <a:rPr lang="de-DE" i="1" dirty="0" smtClean="0"/>
               <a:t>Utility</a:t>
             </a:r>
             <a:r>
+              <a:rPr lang="de-DE" dirty="0" smtClean="0"/>
+              <a:t> </a:t>
+            </a:r>
+            <a:r>
               <a:rPr lang="de-DE" dirty="0"/>
-              <a:t> fürs </a:t>
+              <a:t>fürs </a:t>
             </a:r>
             <a:r>
               <a:rPr lang="de-DE" dirty="0" smtClean="0"/>
               <a:t>Clustering</a:t>
             </a:r>
-          </a:p>
-          <a:p>
+            <a:endParaRPr lang="ru-RU" dirty="0" smtClean="0"/>
+          </a:p>
+          <a:p>
+            <a:pPr lvl="1"/>
+            <a:r>
+              <a:rPr lang="de-DE" dirty="0"/>
+              <a:t>(</a:t>
+            </a:r>
             <a:r>
               <a:rPr lang="de-DE" dirty="0" smtClean="0"/>
-              <a:t>Änderungen zu </a:t>
-            </a:r>
-            <a:r>
-              <a:rPr lang="en-GB" i="1" dirty="0" smtClean="0"/>
-              <a:t>Activity-</a:t>
-            </a:r>
-            <a:r>
-              <a:rPr lang="en-GB" dirty="0" smtClean="0"/>
-              <a:t>Klassen</a:t>
+              <a:t>Basiert auf </a:t>
+            </a:r>
+            <a:r>
+              <a:rPr lang="de-DE" dirty="0" err="1" smtClean="0"/>
+              <a:t>Kanwar</a:t>
+            </a:r>
+            <a:r>
+              <a:rPr lang="de-DE" dirty="0" smtClean="0"/>
+              <a:t> </a:t>
+            </a:r>
+            <a:r>
+              <a:rPr lang="de-DE" dirty="0" err="1" smtClean="0"/>
+              <a:t>Bhajneeks</a:t>
+            </a:r>
+            <a:r>
+              <a:rPr lang="de-DE" dirty="0" smtClean="0"/>
+              <a:t> Algorithmus)</a:t>
             </a:r>
             <a:endParaRPr lang="ru-RU" dirty="0"/>
           </a:p>
@@ -20360,6 +20410,37 @@
                                           <p:spTgt spid="3">
                                             <p:txEl>
                                               <p:pRg st="5" end="5"/>
+                                            </p:txEl>
+                                          </p:spTgt>
+                                        </p:tgtEl>
+                                        <p:attrNameLst>
+                                          <p:attrName>style.visibility</p:attrName>
+                                        </p:attrNameLst>
+                                      </p:cBhvr>
+                                      <p:to>
+                                        <p:strVal val="visible"/>
+                                      </p:to>
+                                    </p:set>
+                                  </p:childTnLst>
+                                </p:cTn>
+                              </p:par>
+                              <p:par>
+                                <p:cTn id="27" presetID="1" presetClass="entr" presetSubtype="0" fill="hold" nodeType="withEffect">
+                                  <p:stCondLst>
+                                    <p:cond delay="0"/>
+                                  </p:stCondLst>
+                                  <p:childTnLst>
+                                    <p:set>
+                                      <p:cBhvr>
+                                        <p:cTn id="28" dur="1" fill="hold">
+                                          <p:stCondLst>
+                                            <p:cond delay="0"/>
+                                          </p:stCondLst>
+                                        </p:cTn>
+                                        <p:tgtEl>
+                                          <p:spTgt spid="3">
+                                            <p:txEl>
+                                              <p:pRg st="6" end="6"/>
                                             </p:txEl>
                                           </p:spTgt>
                                         </p:tgtEl>
